--- a/Meetups/2019/September/Powershell_Lab.pptx
+++ b/Meetups/2019/September/Powershell_Lab.pptx
@@ -226,7 +226,7 @@
           <a:p>
             <a:fld id="{59088EAF-6ECA-4616-85EF-35AA19C641F3}" type="datetimeFigureOut">
               <a:rPr lang="en-US"/>
-              <a:t>9/24/2019</a:t>
+              <a:t>10/3/2019</a:t>
             </a:fld>
             <a:endParaRPr/>
           </a:p>
@@ -391,7 +391,7 @@
           <a:p>
             <a:fld id="{3ABD2D7A-D230-4F91-BD59-0A39C2703BA8}" type="datetimeFigureOut">
               <a:rPr lang="en-US"/>
-              <a:t>9/24/2019</a:t>
+              <a:t>10/3/2019</a:t>
             </a:fld>
             <a:endParaRPr/>
           </a:p>
@@ -1000,7 +1000,7 @@
           <a:p>
             <a:fld id="{03F41C87-7AD9-4845-A077-840E4A0F3F06}" type="datetimeFigureOut">
               <a:rPr lang="en-US"/>
-              <a:t>9/24/2019</a:t>
+              <a:t>10/3/2019</a:t>
             </a:fld>
             <a:endParaRPr/>
           </a:p>
@@ -1192,7 +1192,7 @@
           <a:p>
             <a:fld id="{03F41C87-7AD9-4845-A077-840E4A0F3F06}" type="datetimeFigureOut">
               <a:rPr lang="en-US"/>
-              <a:t>9/24/2019</a:t>
+              <a:t>10/3/2019</a:t>
             </a:fld>
             <a:endParaRPr/>
           </a:p>
@@ -1381,7 +1381,7 @@
           <a:p>
             <a:fld id="{03F41C87-7AD9-4845-A077-840E4A0F3F06}" type="datetimeFigureOut">
               <a:rPr lang="en-US"/>
-              <a:t>9/24/2019</a:t>
+              <a:t>10/3/2019</a:t>
             </a:fld>
             <a:endParaRPr/>
           </a:p>
@@ -1661,7 +1661,7 @@
           <a:p>
             <a:fld id="{03F41C87-7AD9-4845-A077-840E4A0F3F06}" type="datetimeFigureOut">
               <a:rPr lang="en-US"/>
-              <a:t>9/24/2019</a:t>
+              <a:t>10/3/2019</a:t>
             </a:fld>
             <a:endParaRPr/>
           </a:p>
@@ -1965,7 +1965,7 @@
           <a:p>
             <a:fld id="{03F41C87-7AD9-4845-A077-840E4A0F3F06}" type="datetimeFigureOut">
               <a:rPr lang="en-US"/>
-              <a:t>9/24/2019</a:t>
+              <a:t>10/3/2019</a:t>
             </a:fld>
             <a:endParaRPr/>
           </a:p>
@@ -2421,7 +2421,7 @@
           <a:p>
             <a:fld id="{03F41C87-7AD9-4845-A077-840E4A0F3F06}" type="datetimeFigureOut">
               <a:rPr lang="en-US"/>
-              <a:t>9/24/2019</a:t>
+              <a:t>10/3/2019</a:t>
             </a:fld>
             <a:endParaRPr/>
           </a:p>
@@ -2551,7 +2551,7 @@
           <a:p>
             <a:fld id="{03F41C87-7AD9-4845-A077-840E4A0F3F06}" type="datetimeFigureOut">
               <a:rPr lang="en-US"/>
-              <a:t>9/24/2019</a:t>
+              <a:t>10/3/2019</a:t>
             </a:fld>
             <a:endParaRPr/>
           </a:p>
@@ -2666,7 +2666,7 @@
           <a:p>
             <a:fld id="{03F41C87-7AD9-4845-A077-840E4A0F3F06}" type="datetimeFigureOut">
               <a:rPr lang="en-US"/>
-              <a:t>9/24/2019</a:t>
+              <a:t>10/3/2019</a:t>
             </a:fld>
             <a:endParaRPr/>
           </a:p>
@@ -2988,7 +2988,7 @@
           <a:p>
             <a:fld id="{03F41C87-7AD9-4845-A077-840E4A0F3F06}" type="datetimeFigureOut">
               <a:rPr lang="en-US"/>
-              <a:t>9/24/2019</a:t>
+              <a:t>10/3/2019</a:t>
             </a:fld>
             <a:endParaRPr/>
           </a:p>
@@ -3300,7 +3300,7 @@
             <a:fld id="{03F41C87-7AD9-4845-A077-840E4A0F3F06}" type="datetimeFigureOut">
               <a:rPr lang="en-US"/>
               <a:pPr/>
-              <a:t>9/24/2019</a:t>
+              <a:t>10/3/2019</a:t>
             </a:fld>
             <a:endParaRPr/>
           </a:p>
@@ -3554,7 +3554,7 @@
             <a:fld id="{03F41C87-7AD9-4845-A077-840E4A0F3F06}" type="datetimeFigureOut">
               <a:rPr lang="en-US" smtClean="0"/>
               <a:pPr/>
-              <a:t>9/24/2019</a:t>
+              <a:t>10/3/2019</a:t>
             </a:fld>
             <a:endParaRPr lang="en-US"/>
           </a:p>
@@ -8988,7 +8988,20 @@
           <a:bodyPr/>
           <a:lstStyle/>
           <a:p>
-            <a:endParaRPr lang="en-GB"/>
+            <a:r>
+              <a:rPr lang="en-GB" dirty="0"/>
+              <a:t>Scripts location - </a:t>
+            </a:r>
+            <a:r>
+              <a:rPr lang="en-GB" dirty="0">
+                <a:hlinkClick r:id="rId2"/>
+              </a:rPr>
+              <a:t>https://github.com/chris18890/bts-scripts/</a:t>
+            </a:r>
+            <a:endParaRPr lang="en-GB" dirty="0"/>
+          </a:p>
+          <a:p>
+            <a:endParaRPr lang="en-GB" dirty="0"/>
           </a:p>
         </p:txBody>
       </p:sp>
@@ -9113,6 +9126,109 @@
                       </p:childTnLst>
                     </p:cTn>
                   </p:par>
+                  <p:par>
+                    <p:cTn id="9" fill="hold">
+                      <p:stCondLst>
+                        <p:cond delay="indefinite"/>
+                      </p:stCondLst>
+                      <p:childTnLst>
+                        <p:par>
+                          <p:cTn id="10" fill="hold">
+                            <p:stCondLst>
+                              <p:cond delay="0"/>
+                            </p:stCondLst>
+                            <p:childTnLst>
+                              <p:par>
+                                <p:cTn id="11" presetID="2" presetClass="entr" presetSubtype="8" fill="hold" grpId="0" nodeType="clickEffect">
+                                  <p:stCondLst>
+                                    <p:cond delay="0"/>
+                                  </p:stCondLst>
+                                  <p:childTnLst>
+                                    <p:set>
+                                      <p:cBhvr>
+                                        <p:cTn id="12" dur="1" fill="hold">
+                                          <p:stCondLst>
+                                            <p:cond delay="0"/>
+                                          </p:stCondLst>
+                                        </p:cTn>
+                                        <p:tgtEl>
+                                          <p:spTgt spid="3">
+                                            <p:txEl>
+                                              <p:pRg st="0" end="0"/>
+                                            </p:txEl>
+                                          </p:spTgt>
+                                        </p:tgtEl>
+                                        <p:attrNameLst>
+                                          <p:attrName>style.visibility</p:attrName>
+                                        </p:attrNameLst>
+                                      </p:cBhvr>
+                                      <p:to>
+                                        <p:strVal val="visible"/>
+                                      </p:to>
+                                    </p:set>
+                                    <p:anim calcmode="lin" valueType="num">
+                                      <p:cBhvr additive="base">
+                                        <p:cTn id="13" dur="500" fill="hold"/>
+                                        <p:tgtEl>
+                                          <p:spTgt spid="3">
+                                            <p:txEl>
+                                              <p:pRg st="0" end="0"/>
+                                            </p:txEl>
+                                          </p:spTgt>
+                                        </p:tgtEl>
+                                        <p:attrNameLst>
+                                          <p:attrName>ppt_x</p:attrName>
+                                        </p:attrNameLst>
+                                      </p:cBhvr>
+                                      <p:tavLst>
+                                        <p:tav tm="0">
+                                          <p:val>
+                                            <p:strVal val="0-#ppt_w/2"/>
+                                          </p:val>
+                                        </p:tav>
+                                        <p:tav tm="100000">
+                                          <p:val>
+                                            <p:strVal val="#ppt_x"/>
+                                          </p:val>
+                                        </p:tav>
+                                      </p:tavLst>
+                                    </p:anim>
+                                    <p:anim calcmode="lin" valueType="num">
+                                      <p:cBhvr additive="base">
+                                        <p:cTn id="14" dur="500" fill="hold"/>
+                                        <p:tgtEl>
+                                          <p:spTgt spid="3">
+                                            <p:txEl>
+                                              <p:pRg st="0" end="0"/>
+                                            </p:txEl>
+                                          </p:spTgt>
+                                        </p:tgtEl>
+                                        <p:attrNameLst>
+                                          <p:attrName>ppt_y</p:attrName>
+                                        </p:attrNameLst>
+                                      </p:cBhvr>
+                                      <p:tavLst>
+                                        <p:tav tm="0">
+                                          <p:val>
+                                            <p:strVal val="#ppt_y"/>
+                                          </p:val>
+                                        </p:tav>
+                                        <p:tav tm="100000">
+                                          <p:val>
+                                            <p:strVal val="#ppt_y"/>
+                                          </p:val>
+                                        </p:tav>
+                                      </p:tavLst>
+                                    </p:anim>
+                                  </p:childTnLst>
+                                </p:cTn>
+                              </p:par>
+                            </p:childTnLst>
+                          </p:cTn>
+                        </p:par>
+                      </p:childTnLst>
+                    </p:cTn>
+                  </p:par>
                 </p:childTnLst>
               </p:cTn>
               <p:prevCondLst>
@@ -9136,6 +9252,7 @@
     </p:tnLst>
     <p:bldLst>
       <p:bldP spid="2" grpId="0"/>
+      <p:bldP spid="3" grpId="0" build="p"/>
     </p:bldLst>
   </p:timing>
 </p:sld>
@@ -9181,15 +9298,7 @@
           <a:p>
             <a:r>
               <a:rPr lang="en-GB" dirty="0"/>
-              <a:t>Demo – </a:t>
-            </a:r>
-            <a:r>
-              <a:rPr lang="en-GB" dirty="0" err="1"/>
-              <a:t>Virtualbox</a:t>
-            </a:r>
-            <a:r>
-              <a:rPr lang="en-GB" dirty="0"/>
-              <a:t> interface &amp; creating VM</a:t>
+              <a:t>Demo – VirtualBox interface &amp; creating VM</a:t>
             </a:r>
           </a:p>
         </p:txBody>
